--- a/presentations/20260101-JMM.pptx
+++ b/presentations/20260101-JMM.pptx
@@ -222,7 +222,7 @@
           <a:p>
             <a:fld id="{E119C704-B8F9-449B-B828-36D786A1FE73}" type="datetimeFigureOut">
               <a:rPr lang="en-US" smtClean="0"/>
-              <a:t>1/2/2026</a:t>
+              <a:t>1/6/2026</a:t>
             </a:fld>
             <a:endParaRPr lang="en-US"/>
           </a:p>
@@ -636,7 +636,7 @@
           <a:p>
             <a:fld id="{E0B11630-2B34-4908-BEF4-EB78E022DB1C}" type="datetime1">
               <a:rPr lang="en-US" smtClean="0"/>
-              <a:t>1/2/2026</a:t>
+              <a:t>1/6/2026</a:t>
             </a:fld>
             <a:endParaRPr lang="en-US"/>
           </a:p>
@@ -1064,7 +1064,7 @@
           <a:p>
             <a:fld id="{387BF9D4-29AD-466E-A391-02402EDAE42F}" type="datetime1">
               <a:rPr lang="en-US" smtClean="0"/>
-              <a:t>1/2/2026</a:t>
+              <a:t>1/6/2026</a:t>
             </a:fld>
             <a:endParaRPr lang="en-US"/>
           </a:p>
@@ -1275,7 +1275,7 @@
           <a:p>
             <a:fld id="{648D9107-927D-484B-A7AB-88A499AE44E2}" type="datetime1">
               <a:rPr lang="en-US" smtClean="0"/>
-              <a:t>1/2/2026</a:t>
+              <a:t>1/6/2026</a:t>
             </a:fld>
             <a:endParaRPr lang="en-US"/>
           </a:p>
@@ -1504,7 +1504,7 @@
           <a:p>
             <a:fld id="{EFAB04E2-9F90-4630-A58E-2CB0DC98AA26}" type="datetime1">
               <a:rPr lang="en-US" smtClean="0"/>
-              <a:t>1/2/2026</a:t>
+              <a:t>1/6/2026</a:t>
             </a:fld>
             <a:endParaRPr lang="en-US" dirty="0"/>
           </a:p>
@@ -1754,7 +1754,7 @@
           <a:p>
             <a:fld id="{F5A8CA0B-3B6F-44E2-9EEB-AC0130F2C046}" type="datetime1">
               <a:rPr lang="en-US" smtClean="0"/>
-              <a:t>1/2/2026</a:t>
+              <a:t>1/6/2026</a:t>
             </a:fld>
             <a:endParaRPr lang="en-US"/>
           </a:p>
@@ -2022,7 +2022,7 @@
           <a:p>
             <a:fld id="{20E2AA5F-3EF9-4E06-B3CE-6C2E207B55EE}" type="datetime1">
               <a:rPr lang="en-US" smtClean="0"/>
-              <a:t>1/2/2026</a:t>
+              <a:t>1/6/2026</a:t>
             </a:fld>
             <a:endParaRPr lang="en-US"/>
           </a:p>
@@ -2437,7 +2437,7 @@
           <a:p>
             <a:fld id="{22E97483-0FA4-4F24-8BF3-688AFB30742E}" type="datetime1">
               <a:rPr lang="en-US" smtClean="0"/>
-              <a:t>1/2/2026</a:t>
+              <a:t>1/6/2026</a:t>
             </a:fld>
             <a:endParaRPr lang="en-US"/>
           </a:p>
@@ -2581,7 +2581,7 @@
           <a:p>
             <a:fld id="{330F5AA8-5B5A-4B95-B863-C5AE519BC526}" type="datetime1">
               <a:rPr lang="en-US" smtClean="0"/>
-              <a:t>1/2/2026</a:t>
+              <a:t>1/6/2026</a:t>
             </a:fld>
             <a:endParaRPr lang="en-US"/>
           </a:p>
@@ -2697,7 +2697,7 @@
           <a:p>
             <a:fld id="{FB7378E6-0C40-4881-A31F-C907A1DD3BB3}" type="datetime1">
               <a:rPr lang="en-US" smtClean="0"/>
-              <a:t>1/2/2026</a:t>
+              <a:t>1/6/2026</a:t>
             </a:fld>
             <a:endParaRPr lang="en-US" dirty="0"/>
           </a:p>
@@ -3012,7 +3012,7 @@
           <a:p>
             <a:fld id="{E1EBF0BB-5ADC-4A55-85F1-8802EFA22785}" type="datetime1">
               <a:rPr lang="en-US" smtClean="0"/>
-              <a:t>1/2/2026</a:t>
+              <a:t>1/6/2026</a:t>
             </a:fld>
             <a:endParaRPr lang="en-US"/>
           </a:p>
@@ -3303,7 +3303,7 @@
           <a:p>
             <a:fld id="{821E1DBF-CA1B-4AAA-92EF-160E85459000}" type="datetime1">
               <a:rPr lang="en-US" smtClean="0"/>
-              <a:t>1/2/2026</a:t>
+              <a:t>1/6/2026</a:t>
             </a:fld>
             <a:endParaRPr lang="en-US"/>
           </a:p>
@@ -3547,7 +3547,7 @@
           <a:p>
             <a:fld id="{90870D6F-783D-4646-8F3F-00D8F3F0566D}" type="datetime1">
               <a:rPr lang="en-US" smtClean="0"/>
-              <a:t>1/2/2026</a:t>
+              <a:t>1/6/2026</a:t>
             </a:fld>
             <a:endParaRPr lang="en-US" dirty="0"/>
           </a:p>
@@ -26815,6 +26815,222 @@
           </a:prstGeom>
         </p:spPr>
       </p:pic>
+      <p:sp>
+        <p:nvSpPr>
+          <p:cNvPr id="22" name="Rectangle 21">
+            <a:extLst>
+              <a:ext uri="{FF2B5EF4-FFF2-40B4-BE49-F238E27FC236}">
+                <a16:creationId xmlns:a16="http://schemas.microsoft.com/office/drawing/2014/main" id="{0F8D7CCF-B873-25D7-8F22-052F8B075BCF}"/>
+              </a:ext>
+            </a:extLst>
+          </p:cNvPr>
+          <p:cNvSpPr/>
+          <p:nvPr/>
+        </p:nvSpPr>
+        <p:spPr>
+          <a:xfrm>
+            <a:off x="9504763" y="3771029"/>
+            <a:ext cx="2687237" cy="3086971"/>
+          </a:xfrm>
+          <a:prstGeom prst="rect">
+            <a:avLst/>
+          </a:prstGeom>
+          <a:solidFill>
+            <a:schemeClr val="bg1"/>
+          </a:solidFill>
+          <a:ln>
+            <a:noFill/>
+          </a:ln>
+        </p:spPr>
+        <p:style>
+          <a:lnRef idx="2">
+            <a:schemeClr val="accent1">
+              <a:shade val="15000"/>
+            </a:schemeClr>
+          </a:lnRef>
+          <a:fillRef idx="1">
+            <a:schemeClr val="accent1"/>
+          </a:fillRef>
+          <a:effectRef idx="0">
+            <a:schemeClr val="accent1"/>
+          </a:effectRef>
+          <a:fontRef idx="minor">
+            <a:schemeClr val="lt1"/>
+          </a:fontRef>
+        </p:style>
+        <p:txBody>
+          <a:bodyPr rtlCol="0" anchor="ctr"/>
+          <a:lstStyle/>
+          <a:p>
+            <a:pPr algn="ctr"/>
+            <a:endParaRPr lang="en-US"/>
+          </a:p>
+        </p:txBody>
+      </p:sp>
+      <p:grpSp>
+        <p:nvGrpSpPr>
+          <p:cNvPr id="17" name="Group 16">
+            <a:extLst>
+              <a:ext uri="{FF2B5EF4-FFF2-40B4-BE49-F238E27FC236}">
+                <a16:creationId xmlns:a16="http://schemas.microsoft.com/office/drawing/2014/main" id="{7FB8915F-D8FA-FFED-0AFC-0F533F3150AA}"/>
+              </a:ext>
+            </a:extLst>
+          </p:cNvPr>
+          <p:cNvGrpSpPr/>
+          <p:nvPr/>
+        </p:nvGrpSpPr>
+        <p:grpSpPr>
+          <a:xfrm>
+            <a:off x="9106248" y="4426187"/>
+            <a:ext cx="1478175" cy="2287683"/>
+            <a:chOff x="8482198" y="1098309"/>
+            <a:chExt cx="965902" cy="1524241"/>
+          </a:xfrm>
+        </p:grpSpPr>
+        <p:sp>
+          <p:nvSpPr>
+            <p:cNvPr id="18" name="Rectangle 17">
+              <a:extLst>
+                <a:ext uri="{FF2B5EF4-FFF2-40B4-BE49-F238E27FC236}">
+                  <a16:creationId xmlns:a16="http://schemas.microsoft.com/office/drawing/2014/main" id="{19BCB5E9-E4D4-0D43-2021-809B69BC27C0}"/>
+                </a:ext>
+              </a:extLst>
+            </p:cNvPr>
+            <p:cNvSpPr/>
+            <p:nvPr/>
+          </p:nvSpPr>
+          <p:spPr>
+            <a:xfrm>
+              <a:off x="8482198" y="1098309"/>
+              <a:ext cx="939556" cy="1524241"/>
+            </a:xfrm>
+            <a:prstGeom prst="rect">
+              <a:avLst/>
+            </a:prstGeom>
+            <a:solidFill>
+              <a:schemeClr val="bg1"/>
+            </a:solidFill>
+            <a:ln>
+              <a:noFill/>
+            </a:ln>
+          </p:spPr>
+          <p:style>
+            <a:lnRef idx="2">
+              <a:schemeClr val="accent1">
+                <a:shade val="15000"/>
+              </a:schemeClr>
+            </a:lnRef>
+            <a:fillRef idx="1">
+              <a:schemeClr val="accent1"/>
+            </a:fillRef>
+            <a:effectRef idx="0">
+              <a:schemeClr val="accent1"/>
+            </a:effectRef>
+            <a:fontRef idx="minor">
+              <a:schemeClr val="lt1"/>
+            </a:fontRef>
+          </p:style>
+          <p:txBody>
+            <a:bodyPr rtlCol="0" anchor="ctr"/>
+            <a:lstStyle/>
+            <a:p>
+              <a:pPr algn="ctr"/>
+              <a:endParaRPr lang="en-US"/>
+            </a:p>
+          </p:txBody>
+        </p:sp>
+        <p:grpSp>
+          <p:nvGrpSpPr>
+            <p:cNvPr id="19" name="Group 18">
+              <a:extLst>
+                <a:ext uri="{FF2B5EF4-FFF2-40B4-BE49-F238E27FC236}">
+                  <a16:creationId xmlns:a16="http://schemas.microsoft.com/office/drawing/2014/main" id="{5A457821-3CBD-6D7A-9AB3-C7B533F00077}"/>
+                </a:ext>
+              </a:extLst>
+            </p:cNvPr>
+            <p:cNvGrpSpPr/>
+            <p:nvPr/>
+          </p:nvGrpSpPr>
+          <p:grpSpPr>
+            <a:xfrm>
+              <a:off x="8508544" y="1098309"/>
+              <a:ext cx="939556" cy="1474361"/>
+              <a:chOff x="11515366" y="5256226"/>
+              <a:chExt cx="3037505" cy="4652874"/>
+            </a:xfrm>
+          </p:grpSpPr>
+          <p:pic>
+            <p:nvPicPr>
+              <p:cNvPr id="20" name="Picture 19">
+                <a:extLst>
+                  <a:ext uri="{FF2B5EF4-FFF2-40B4-BE49-F238E27FC236}">
+                    <a16:creationId xmlns:a16="http://schemas.microsoft.com/office/drawing/2014/main" id="{378C9C79-EC1E-B345-BDED-C4EE2BF4EF26}"/>
+                  </a:ext>
+                </a:extLst>
+              </p:cNvPr>
+              <p:cNvPicPr>
+                <a:picLocks noChangeAspect="1"/>
+              </p:cNvPicPr>
+              <p:nvPr/>
+            </p:nvPicPr>
+            <p:blipFill rotWithShape="1">
+              <a:blip r:embed="rId10">
+                <a:extLst>
+                  <a:ext uri="{28A0092B-C50C-407E-A947-70E740481C1C}">
+                    <a14:useLocalDpi xmlns:a14="http://schemas.microsoft.com/office/drawing/2010/main" val="0"/>
+                  </a:ext>
+                </a:extLst>
+              </a:blip>
+              <a:srcRect l="26919"/>
+              <a:stretch/>
+            </p:blipFill>
+            <p:spPr>
+              <a:xfrm>
+                <a:off x="11515366" y="8147942"/>
+                <a:ext cx="3037505" cy="1761158"/>
+              </a:xfrm>
+              <a:prstGeom prst="rect">
+                <a:avLst/>
+              </a:prstGeom>
+            </p:spPr>
+          </p:pic>
+          <p:pic>
+            <p:nvPicPr>
+              <p:cNvPr id="21" name="Picture 20">
+                <a:extLst>
+                  <a:ext uri="{FF2B5EF4-FFF2-40B4-BE49-F238E27FC236}">
+                    <a16:creationId xmlns:a16="http://schemas.microsoft.com/office/drawing/2014/main" id="{DACAE15C-E5BB-2F53-4953-BE27A82EF2E5}"/>
+                  </a:ext>
+                </a:extLst>
+              </p:cNvPr>
+              <p:cNvPicPr>
+                <a:picLocks noChangeAspect="1"/>
+              </p:cNvPicPr>
+              <p:nvPr/>
+            </p:nvPicPr>
+            <p:blipFill rotWithShape="1">
+              <a:blip r:embed="rId10">
+                <a:extLst>
+                  <a:ext uri="{28A0092B-C50C-407E-A947-70E740481C1C}">
+                    <a14:useLocalDpi xmlns:a14="http://schemas.microsoft.com/office/drawing/2010/main" val="0"/>
+                  </a:ext>
+                </a:extLst>
+              </a:blip>
+              <a:srcRect r="72464"/>
+              <a:stretch/>
+            </p:blipFill>
+            <p:spPr>
+              <a:xfrm>
+                <a:off x="11778154" y="5256226"/>
+                <a:ext cx="2511928" cy="3865347"/>
+              </a:xfrm>
+              <a:prstGeom prst="rect">
+                <a:avLst/>
+              </a:prstGeom>
+            </p:spPr>
+          </p:pic>
+        </p:grpSp>
+      </p:grpSp>
     </p:spTree>
     <p:extLst>
       <p:ext uri="{BB962C8B-B14F-4D97-AF65-F5344CB8AC3E}">
@@ -27299,6 +27515,170 @@
           </a:p>
         </p:txBody>
       </p:sp>
+      <p:grpSp>
+        <p:nvGrpSpPr>
+          <p:cNvPr id="8" name="Group 7">
+            <a:extLst>
+              <a:ext uri="{FF2B5EF4-FFF2-40B4-BE49-F238E27FC236}">
+                <a16:creationId xmlns:a16="http://schemas.microsoft.com/office/drawing/2014/main" id="{EF3D80CE-11F1-587A-C23D-B7DAD2B47183}"/>
+              </a:ext>
+            </a:extLst>
+          </p:cNvPr>
+          <p:cNvGrpSpPr/>
+          <p:nvPr/>
+        </p:nvGrpSpPr>
+        <p:grpSpPr>
+          <a:xfrm>
+            <a:off x="8100640" y="3797560"/>
+            <a:ext cx="981554" cy="1519092"/>
+            <a:chOff x="8482198" y="1098309"/>
+            <a:chExt cx="965902" cy="1524241"/>
+          </a:xfrm>
+        </p:grpSpPr>
+        <p:sp>
+          <p:nvSpPr>
+            <p:cNvPr id="9" name="Rectangle 8">
+              <a:extLst>
+                <a:ext uri="{FF2B5EF4-FFF2-40B4-BE49-F238E27FC236}">
+                  <a16:creationId xmlns:a16="http://schemas.microsoft.com/office/drawing/2014/main" id="{DBDBCB41-D1F9-6A9B-680E-41FEB2A2B4FB}"/>
+                </a:ext>
+              </a:extLst>
+            </p:cNvPr>
+            <p:cNvSpPr/>
+            <p:nvPr/>
+          </p:nvSpPr>
+          <p:spPr>
+            <a:xfrm>
+              <a:off x="8482198" y="1098309"/>
+              <a:ext cx="939556" cy="1524241"/>
+            </a:xfrm>
+            <a:prstGeom prst="rect">
+              <a:avLst/>
+            </a:prstGeom>
+            <a:solidFill>
+              <a:schemeClr val="bg1"/>
+            </a:solidFill>
+            <a:ln>
+              <a:noFill/>
+            </a:ln>
+          </p:spPr>
+          <p:style>
+            <a:lnRef idx="2">
+              <a:schemeClr val="accent1">
+                <a:shade val="15000"/>
+              </a:schemeClr>
+            </a:lnRef>
+            <a:fillRef idx="1">
+              <a:schemeClr val="accent1"/>
+            </a:fillRef>
+            <a:effectRef idx="0">
+              <a:schemeClr val="accent1"/>
+            </a:effectRef>
+            <a:fontRef idx="minor">
+              <a:schemeClr val="lt1"/>
+            </a:fontRef>
+          </p:style>
+          <p:txBody>
+            <a:bodyPr rtlCol="0" anchor="ctr"/>
+            <a:lstStyle/>
+            <a:p>
+              <a:pPr algn="ctr"/>
+              <a:endParaRPr lang="en-US"/>
+            </a:p>
+          </p:txBody>
+        </p:sp>
+        <p:grpSp>
+          <p:nvGrpSpPr>
+            <p:cNvPr id="10" name="Group 9">
+              <a:extLst>
+                <a:ext uri="{FF2B5EF4-FFF2-40B4-BE49-F238E27FC236}">
+                  <a16:creationId xmlns:a16="http://schemas.microsoft.com/office/drawing/2014/main" id="{D2204606-E204-E29C-D288-54FA36176616}"/>
+                </a:ext>
+              </a:extLst>
+            </p:cNvPr>
+            <p:cNvGrpSpPr/>
+            <p:nvPr/>
+          </p:nvGrpSpPr>
+          <p:grpSpPr>
+            <a:xfrm>
+              <a:off x="8508544" y="1098309"/>
+              <a:ext cx="939556" cy="1474361"/>
+              <a:chOff x="11515366" y="5256226"/>
+              <a:chExt cx="3037505" cy="4652874"/>
+            </a:xfrm>
+          </p:grpSpPr>
+          <p:pic>
+            <p:nvPicPr>
+              <p:cNvPr id="11" name="Picture 10">
+                <a:extLst>
+                  <a:ext uri="{FF2B5EF4-FFF2-40B4-BE49-F238E27FC236}">
+                    <a16:creationId xmlns:a16="http://schemas.microsoft.com/office/drawing/2014/main" id="{45ECBF85-08B8-D92A-CD12-6616E9FE9F52}"/>
+                  </a:ext>
+                </a:extLst>
+              </p:cNvPr>
+              <p:cNvPicPr>
+                <a:picLocks noChangeAspect="1"/>
+              </p:cNvPicPr>
+              <p:nvPr/>
+            </p:nvPicPr>
+            <p:blipFill rotWithShape="1">
+              <a:blip r:embed="rId3">
+                <a:extLst>
+                  <a:ext uri="{28A0092B-C50C-407E-A947-70E740481C1C}">
+                    <a14:useLocalDpi xmlns:a14="http://schemas.microsoft.com/office/drawing/2010/main" val="0"/>
+                  </a:ext>
+                </a:extLst>
+              </a:blip>
+              <a:srcRect l="26919"/>
+              <a:stretch/>
+            </p:blipFill>
+            <p:spPr>
+              <a:xfrm>
+                <a:off x="11515366" y="8147942"/>
+                <a:ext cx="3037505" cy="1761158"/>
+              </a:xfrm>
+              <a:prstGeom prst="rect">
+                <a:avLst/>
+              </a:prstGeom>
+            </p:spPr>
+          </p:pic>
+          <p:pic>
+            <p:nvPicPr>
+              <p:cNvPr id="12" name="Picture 11">
+                <a:extLst>
+                  <a:ext uri="{FF2B5EF4-FFF2-40B4-BE49-F238E27FC236}">
+                    <a16:creationId xmlns:a16="http://schemas.microsoft.com/office/drawing/2014/main" id="{5070D2C4-A038-525C-0146-B244F52E4B90}"/>
+                  </a:ext>
+                </a:extLst>
+              </p:cNvPr>
+              <p:cNvPicPr>
+                <a:picLocks noChangeAspect="1"/>
+              </p:cNvPicPr>
+              <p:nvPr/>
+            </p:nvPicPr>
+            <p:blipFill rotWithShape="1">
+              <a:blip r:embed="rId3">
+                <a:extLst>
+                  <a:ext uri="{28A0092B-C50C-407E-A947-70E740481C1C}">
+                    <a14:useLocalDpi xmlns:a14="http://schemas.microsoft.com/office/drawing/2010/main" val="0"/>
+                  </a:ext>
+                </a:extLst>
+              </a:blip>
+              <a:srcRect r="72464"/>
+              <a:stretch/>
+            </p:blipFill>
+            <p:spPr>
+              <a:xfrm>
+                <a:off x="11778154" y="5256226"/>
+                <a:ext cx="2511928" cy="3865347"/>
+              </a:xfrm>
+              <a:prstGeom prst="rect">
+                <a:avLst/>
+              </a:prstGeom>
+            </p:spPr>
+          </p:pic>
+        </p:grpSp>
+      </p:grpSp>
     </p:spTree>
     <p:extLst>
       <p:ext uri="{BB962C8B-B14F-4D97-AF65-F5344CB8AC3E}">
